--- a/HC11/HC11_EN.pptx
+++ b/HC11/HC11_EN.pptx
@@ -145,6 +145,95 @@
 </p:cmAuthorLst>
 </file>
 
+<file path=ppt/changesInfos/changesInfo1.xml><?xml version="1.0" encoding="utf-8"?>
+<pc:chgInfo xmlns:a="http://schemas.openxmlformats.org/drawingml/2006/main" xmlns:r="http://schemas.openxmlformats.org/officeDocument/2006/relationships" xmlns:ac="http://schemas.microsoft.com/office/drawing/2013/main/command" xmlns:pc="http://schemas.microsoft.com/office/powerpoint/2013/main/command">
+  <pc:docChgLst>
+    <pc:chgData name="Caspar van Lissa" userId="66f0d9d8-5e0d-4c8f-a33e-eb362e4340e3" providerId="ADAL" clId="{452D5685-D901-453F-B199-2AF90AE85DAD}"/>
+    <pc:docChg chg="undo custSel modSld">
+      <pc:chgData name="Caspar van Lissa" userId="66f0d9d8-5e0d-4c8f-a33e-eb362e4340e3" providerId="ADAL" clId="{452D5685-D901-453F-B199-2AF90AE85DAD}" dt="2025-05-19T14:50:44.947" v="1244" actId="27636"/>
+      <pc:docMkLst>
+        <pc:docMk/>
+      </pc:docMkLst>
+      <pc:sldChg chg="modSp mod">
+        <pc:chgData name="Caspar van Lissa" userId="66f0d9d8-5e0d-4c8f-a33e-eb362e4340e3" providerId="ADAL" clId="{452D5685-D901-453F-B199-2AF90AE85DAD}" dt="2025-05-19T14:49:47.393" v="1178" actId="20577"/>
+        <pc:sldMkLst>
+          <pc:docMk/>
+          <pc:sldMk cId="2805311601" sldId="571"/>
+        </pc:sldMkLst>
+        <pc:spChg chg="mod">
+          <ac:chgData name="Caspar van Lissa" userId="66f0d9d8-5e0d-4c8f-a33e-eb362e4340e3" providerId="ADAL" clId="{452D5685-D901-453F-B199-2AF90AE85DAD}" dt="2025-05-19T14:49:47.393" v="1178" actId="20577"/>
+          <ac:spMkLst>
+            <pc:docMk/>
+            <pc:sldMk cId="2805311601" sldId="571"/>
+            <ac:spMk id="3" creationId="{00000000-0000-0000-0000-000000000000}"/>
+          </ac:spMkLst>
+        </pc:spChg>
+      </pc:sldChg>
+      <pc:sldChg chg="modSp mod">
+        <pc:chgData name="Caspar van Lissa" userId="66f0d9d8-5e0d-4c8f-a33e-eb362e4340e3" providerId="ADAL" clId="{452D5685-D901-453F-B199-2AF90AE85DAD}" dt="2025-05-19T14:14:49.848" v="418" actId="20577"/>
+        <pc:sldMkLst>
+          <pc:docMk/>
+          <pc:sldMk cId="452161571" sldId="573"/>
+        </pc:sldMkLst>
+        <pc:spChg chg="mod">
+          <ac:chgData name="Caspar van Lissa" userId="66f0d9d8-5e0d-4c8f-a33e-eb362e4340e3" providerId="ADAL" clId="{452D5685-D901-453F-B199-2AF90AE85DAD}" dt="2025-05-19T14:14:49.848" v="418" actId="20577"/>
+          <ac:spMkLst>
+            <pc:docMk/>
+            <pc:sldMk cId="452161571" sldId="573"/>
+            <ac:spMk id="3" creationId="{00000000-0000-0000-0000-000000000000}"/>
+          </ac:spMkLst>
+        </pc:spChg>
+      </pc:sldChg>
+      <pc:sldChg chg="modSp mod">
+        <pc:chgData name="Caspar van Lissa" userId="66f0d9d8-5e0d-4c8f-a33e-eb362e4340e3" providerId="ADAL" clId="{452D5685-D901-453F-B199-2AF90AE85DAD}" dt="2025-05-19T14:36:10.333" v="479" actId="207"/>
+        <pc:sldMkLst>
+          <pc:docMk/>
+          <pc:sldMk cId="4291738988" sldId="575"/>
+        </pc:sldMkLst>
+        <pc:spChg chg="mod">
+          <ac:chgData name="Caspar van Lissa" userId="66f0d9d8-5e0d-4c8f-a33e-eb362e4340e3" providerId="ADAL" clId="{452D5685-D901-453F-B199-2AF90AE85DAD}" dt="2025-05-19T14:36:10.333" v="479" actId="207"/>
+          <ac:spMkLst>
+            <pc:docMk/>
+            <pc:sldMk cId="4291738988" sldId="575"/>
+            <ac:spMk id="3" creationId="{00000000-0000-0000-0000-000000000000}"/>
+          </ac:spMkLst>
+        </pc:spChg>
+      </pc:sldChg>
+      <pc:sldChg chg="modSp mod">
+        <pc:chgData name="Caspar van Lissa" userId="66f0d9d8-5e0d-4c8f-a33e-eb362e4340e3" providerId="ADAL" clId="{452D5685-D901-453F-B199-2AF90AE85DAD}" dt="2025-05-19T14:47:18.667" v="892" actId="20577"/>
+        <pc:sldMkLst>
+          <pc:docMk/>
+          <pc:sldMk cId="3737989699" sldId="577"/>
+        </pc:sldMkLst>
+        <pc:spChg chg="mod">
+          <ac:chgData name="Caspar van Lissa" userId="66f0d9d8-5e0d-4c8f-a33e-eb362e4340e3" providerId="ADAL" clId="{452D5685-D901-453F-B199-2AF90AE85DAD}" dt="2025-05-19T14:47:18.667" v="892" actId="20577"/>
+          <ac:spMkLst>
+            <pc:docMk/>
+            <pc:sldMk cId="3737989699" sldId="577"/>
+            <ac:spMk id="3" creationId="{00000000-0000-0000-0000-000000000000}"/>
+          </ac:spMkLst>
+        </pc:spChg>
+      </pc:sldChg>
+      <pc:sldChg chg="modSp mod">
+        <pc:chgData name="Caspar van Lissa" userId="66f0d9d8-5e0d-4c8f-a33e-eb362e4340e3" providerId="ADAL" clId="{452D5685-D901-453F-B199-2AF90AE85DAD}" dt="2025-05-19T14:50:44.947" v="1244" actId="27636"/>
+        <pc:sldMkLst>
+          <pc:docMk/>
+          <pc:sldMk cId="235770651" sldId="580"/>
+        </pc:sldMkLst>
+        <pc:spChg chg="mod">
+          <ac:chgData name="Caspar van Lissa" userId="66f0d9d8-5e0d-4c8f-a33e-eb362e4340e3" providerId="ADAL" clId="{452D5685-D901-453F-B199-2AF90AE85DAD}" dt="2025-05-19T14:50:44.947" v="1244" actId="27636"/>
+          <ac:spMkLst>
+            <pc:docMk/>
+            <pc:sldMk cId="235770651" sldId="580"/>
+            <ac:spMk id="3" creationId="{00000000-0000-0000-0000-000000000000}"/>
+          </ac:spMkLst>
+        </pc:spChg>
+      </pc:sldChg>
+    </pc:docChg>
+  </pc:docChgLst>
+</pc:chgInfo>
+</file>
+
 <file path=ppt/comments/comment1.xml><?xml version="1.0" encoding="utf-8"?>
 <p:cmLst xmlns:a="http://schemas.openxmlformats.org/drawingml/2006/main" xmlns:r="http://schemas.openxmlformats.org/officeDocument/2006/relationships" xmlns:p="http://schemas.openxmlformats.org/presentationml/2006/main">
   <p:cm authorId="1" dt="2021-01-26T14:57:15.481" idx="33">
@@ -241,7 +330,7 @@
           <a:p>
             <a:fld id="{E7C94BC4-5B77-4BEA-AE10-D37FB4958CB3}" type="datetimeFigureOut">
               <a:rPr lang="en-US" smtClean="0"/>
-              <a:t>5/20/2022</a:t>
+              <a:t>5/19/2025</a:t>
             </a:fld>
             <a:endParaRPr lang="en-US" dirty="0"/>
           </a:p>
@@ -406,7 +495,7 @@
           <a:p>
             <a:fld id="{3D057A1C-535D-42DB-8B7E-CBD05FB93862}" type="datetimeFigureOut">
               <a:rPr lang="en-US" smtClean="0"/>
-              <a:t>5/20/2022</a:t>
+              <a:t>5/19/2025</a:t>
             </a:fld>
             <a:endParaRPr lang="en-US" dirty="0"/>
           </a:p>
@@ -2060,7 +2149,7 @@
           <a:p>
             <a:fld id="{C9723911-EAF4-4B10-AD23-EC6A00D0E506}" type="datetime1">
               <a:rPr lang="en-US" smtClean="0"/>
-              <a:t>5/20/2022</a:t>
+              <a:t>5/19/2025</a:t>
             </a:fld>
             <a:endParaRPr lang="en-US" dirty="0"/>
           </a:p>
@@ -2233,7 +2322,7 @@
           <a:p>
             <a:fld id="{512C3BEF-9C9D-481B-A126-CAA1EC6D32FD}" type="datetime1">
               <a:rPr lang="en-US" smtClean="0"/>
-              <a:t>5/20/2022</a:t>
+              <a:t>5/19/2025</a:t>
             </a:fld>
             <a:endParaRPr lang="en-US" dirty="0"/>
           </a:p>
@@ -2416,7 +2505,7 @@
           <a:p>
             <a:fld id="{A74D2CD7-FF74-420C-934B-1B4F7FB28C9D}" type="datetime1">
               <a:rPr lang="en-US" smtClean="0"/>
-              <a:t>5/20/2022</a:t>
+              <a:t>5/19/2025</a:t>
             </a:fld>
             <a:endParaRPr lang="en-US" dirty="0"/>
           </a:p>
@@ -2589,7 +2678,7 @@
           <a:p>
             <a:fld id="{0537B0B0-57DE-4DB5-9ED6-8F801A86B0DF}" type="datetime1">
               <a:rPr lang="en-US" smtClean="0"/>
-              <a:t>5/20/2022</a:t>
+              <a:t>5/19/2025</a:t>
             </a:fld>
             <a:endParaRPr lang="en-US" dirty="0"/>
           </a:p>
@@ -2838,7 +2927,7 @@
           <a:p>
             <a:fld id="{31B41A03-4504-4B7B-9DCB-572189756BF4}" type="datetime1">
               <a:rPr lang="en-US" smtClean="0"/>
-              <a:t>5/20/2022</a:t>
+              <a:t>5/19/2025</a:t>
             </a:fld>
             <a:endParaRPr lang="en-US" dirty="0"/>
           </a:p>
@@ -3073,7 +3162,7 @@
           <a:p>
             <a:fld id="{8F2A606F-8F26-44A5-A2FF-B34F00ABA94B}" type="datetime1">
               <a:rPr lang="en-US" smtClean="0"/>
-              <a:t>5/20/2022</a:t>
+              <a:t>5/19/2025</a:t>
             </a:fld>
             <a:endParaRPr lang="en-US" dirty="0"/>
           </a:p>
@@ -3443,7 +3532,7 @@
           <a:p>
             <a:fld id="{CD7E3BA4-655D-471D-B004-0B6BAAC49194}" type="datetime1">
               <a:rPr lang="en-US" smtClean="0"/>
-              <a:t>5/20/2022</a:t>
+              <a:t>5/19/2025</a:t>
             </a:fld>
             <a:endParaRPr lang="en-US" dirty="0"/>
           </a:p>
@@ -3564,7 +3653,7 @@
           <a:p>
             <a:fld id="{33EB5A82-BB2F-48C5-A587-3D98DB273C77}" type="datetime1">
               <a:rPr lang="en-US" smtClean="0"/>
-              <a:t>5/20/2022</a:t>
+              <a:t>5/19/2025</a:t>
             </a:fld>
             <a:endParaRPr lang="en-US" dirty="0"/>
           </a:p>
@@ -3662,7 +3751,7 @@
           <a:p>
             <a:fld id="{35A08F94-43E4-4C4A-BC56-3467C929286D}" type="datetime1">
               <a:rPr lang="en-US" smtClean="0"/>
-              <a:t>5/20/2022</a:t>
+              <a:t>5/19/2025</a:t>
             </a:fld>
             <a:endParaRPr lang="en-US" dirty="0"/>
           </a:p>
@@ -3942,7 +4031,7 @@
           <a:p>
             <a:fld id="{5A477C87-F93D-4062-B688-EBF817579150}" type="datetime1">
               <a:rPr lang="en-US" smtClean="0"/>
-              <a:t>5/20/2022</a:t>
+              <a:t>5/19/2025</a:t>
             </a:fld>
             <a:endParaRPr lang="en-US" dirty="0"/>
           </a:p>
@@ -4201,7 +4290,7 @@
           <a:p>
             <a:fld id="{01CEA416-0541-4E08-BC44-A44766E0D9BF}" type="datetime1">
               <a:rPr lang="en-US" smtClean="0"/>
-              <a:t>5/20/2022</a:t>
+              <a:t>5/19/2025</a:t>
             </a:fld>
             <a:endParaRPr lang="en-US" dirty="0"/>
           </a:p>
@@ -4417,7 +4506,7 @@
           <a:p>
             <a:fld id="{F9DAC5B2-5BD5-4449-B6CF-CF68F3DF4377}" type="datetime1">
               <a:rPr lang="en-US" smtClean="0"/>
-              <a:t>5/20/2022</a:t>
+              <a:t>5/19/2025</a:t>
             </a:fld>
             <a:endParaRPr lang="en-US" dirty="0"/>
           </a:p>
@@ -5429,7 +5518,7 @@
         </p:spPr>
         <p:txBody>
           <a:bodyPr>
-            <a:normAutofit/>
+            <a:normAutofit fontScale="92500" lnSpcReduction="20000"/>
           </a:bodyPr>
           <a:lstStyle/>
           <a:p>
@@ -5446,6 +5535,13 @@
             <a:pPr lvl="1"/>
             <a:r>
               <a:rPr lang="en-US" sz="1700" noProof="0" dirty="0"/>
+              <a:t>Random assignment breaks the causal link of any potential confounder with the DV.</a:t>
+            </a:r>
+            <a:br>
+              <a:rPr lang="en-US" sz="1700" noProof="0" dirty="0"/>
+            </a:br>
+            <a:r>
+              <a:rPr lang="en-US" sz="1700" noProof="0" dirty="0"/>
               <a:t>When it is unclear what the confounding variables exactly are, randomization and a large </a:t>
             </a:r>
             <a:r>
@@ -5491,6 +5587,17 @@
           <a:p>
             <a:pPr lvl="1"/>
             <a:r>
+              <a:rPr lang="en-US" sz="1700" i="1" noProof="0" dirty="0">
+                <a:solidFill>
+                  <a:srgbClr val="FF0000"/>
+                </a:solidFill>
+              </a:rPr>
+              <a:t>But balancing by ONE variable can introduce bias in OTHER variables</a:t>
+            </a:r>
+          </a:p>
+          <a:p>
+            <a:pPr lvl="1"/>
+            <a:r>
               <a:rPr lang="en-US" sz="1700" noProof="0" dirty="0"/>
               <a:t>Include confounding variable in the analysis </a:t>
             </a:r>
@@ -5503,6 +5610,18 @@
           </a:p>
           <a:p>
             <a:pPr lvl="1"/>
+            <a:r>
+              <a:rPr lang="en-US" sz="1700" i="1" noProof="0" dirty="0">
+                <a:solidFill>
+                  <a:srgbClr val="FF0000"/>
+                </a:solidFill>
+                <a:sym typeface="Wingdings" panose="05000000000000000000" pitchFamily="2" charset="2"/>
+              </a:rPr>
+              <a:t>But if the confounding variable is actually a collider, then this introduces bias</a:t>
+            </a:r>
+          </a:p>
+          <a:p>
+            <a:pPr lvl="1"/>
             <a:endParaRPr lang="en-US" sz="1900" noProof="0" dirty="0">
               <a:sym typeface="Wingdings" panose="05000000000000000000" pitchFamily="2" charset="2"/>
             </a:endParaRPr>
@@ -5540,6 +5659,18 @@
               <a:rPr lang="en-US" sz="1700" noProof="0" dirty="0"/>
               <a:t>Stronger than balancing because exact match</a:t>
             </a:r>
+          </a:p>
+          <a:p>
+            <a:pPr lvl="1"/>
+            <a:r>
+              <a:rPr lang="en-US" sz="1700" i="1" noProof="0" dirty="0">
+                <a:solidFill>
+                  <a:srgbClr val="FF0000"/>
+                </a:solidFill>
+              </a:rPr>
+              <a:t>But balancing by SOME variables can introduce bias in OTHER (unmeasured) variables</a:t>
+            </a:r>
+            <a:endParaRPr lang="en-US" sz="1700" noProof="0" dirty="0"/>
           </a:p>
           <a:p>
             <a:pPr lvl="1"/>
@@ -5800,7 +5931,9 @@
               </a:rPr>
               <a:t>However, there is no free lunch and there are also disadvantages…</a:t>
             </a:r>
-            <a:endParaRPr lang="en-US" sz="1900" noProof="0" dirty="0"/>
+            <a:endParaRPr lang="en-US" sz="1900" dirty="0">
+              <a:sym typeface="Wingdings" panose="05000000000000000000" pitchFamily="2" charset="2"/>
+            </a:endParaRPr>
           </a:p>
           <a:p>
             <a:pPr marL="0" indent="0">
@@ -8231,8 +8364,31 @@
             </a:r>
             <a:r>
               <a:rPr lang="en-US" sz="1900" noProof="0" dirty="0"/>
-              <a:t>he degree to which the conclusions of a study can be generalized to other people, geographical location, context, time, and duration of effect</a:t>
-            </a:r>
+              <a:t>he degree to which the conclusions of a study can be </a:t>
+            </a:r>
+            <a:r>
+              <a:rPr lang="en-US" sz="1900" b="1" u="sng" noProof="0" dirty="0"/>
+              <a:t>generalized</a:t>
+            </a:r>
+            <a:r>
+              <a:rPr lang="en-US" sz="1900" noProof="0" dirty="0"/>
+              <a:t> to other people, geographical location, context, time, and duration of effect</a:t>
+            </a:r>
+          </a:p>
+          <a:p>
+            <a:pPr marL="914400" lvl="1" indent="-457200">
+              <a:buFont typeface="+mj-lt"/>
+              <a:buAutoNum type="arabicPeriod"/>
+            </a:pPr>
+            <a:r>
+              <a:rPr lang="en-US" sz="1500" dirty="0"/>
+              <a:t>Violated if the sample is not representative, experimental setting is not similar to the generalization setting, </a:t>
+            </a:r>
+            <a:r>
+              <a:rPr lang="en-US" sz="1500" dirty="0" err="1"/>
+              <a:t>etc</a:t>
+            </a:r>
+            <a:endParaRPr lang="en-US" sz="1500" noProof="0" dirty="0"/>
           </a:p>
           <a:p>
             <a:pPr marL="457200" indent="-457200">
@@ -8256,6 +8412,27 @@
               </a:rPr>
               <a:t> the degree to which the relationship between the IV and DV indeed (only) reflects the relationship between IV and DV</a:t>
             </a:r>
+          </a:p>
+          <a:p>
+            <a:pPr marL="914400" lvl="1" indent="-457200">
+              <a:buFont typeface="+mj-lt"/>
+              <a:buAutoNum type="arabicPeriod"/>
+            </a:pPr>
+            <a:r>
+              <a:rPr lang="en-US" sz="1500" dirty="0">
+                <a:sym typeface="Wingdings" panose="05000000000000000000" pitchFamily="2" charset="2"/>
+              </a:rPr>
+              <a:t>Violated if the manipulation does not actually target the IV, or participants are not randomly assigned but choose their own condition, or participants talk about the experiment with other participants, </a:t>
+            </a:r>
+            <a:r>
+              <a:rPr lang="en-US" sz="1500" dirty="0" err="1">
+                <a:sym typeface="Wingdings" panose="05000000000000000000" pitchFamily="2" charset="2"/>
+              </a:rPr>
+              <a:t>etc</a:t>
+            </a:r>
+            <a:endParaRPr lang="en-US" sz="1500" noProof="0" dirty="0">
+              <a:sym typeface="Wingdings" panose="05000000000000000000" pitchFamily="2" charset="2"/>
+            </a:endParaRPr>
           </a:p>
           <a:p>
             <a:pPr marL="457200" indent="-457200">
@@ -8281,7 +8458,7 @@
               <a:rPr lang="en-US" sz="1900" noProof="0" dirty="0">
                 <a:sym typeface="Wingdings" panose="05000000000000000000" pitchFamily="2" charset="2"/>
               </a:rPr>
-              <a:t>  maximizing the probability of finding an effect between IV and DV, so making an effort to decrease MS</a:t>
+              <a:t>  maximizing the probability of finding a true effect between IV and DV if there is one, so making an effort to decrease MS</a:t>
             </a:r>
             <a:r>
               <a:rPr lang="en-US" sz="1900" baseline="-25000" noProof="0" dirty="0">
@@ -8716,7 +8893,7 @@
         </p:spPr>
         <p:txBody>
           <a:bodyPr>
-            <a:normAutofit lnSpcReduction="10000"/>
+            <a:normAutofit fontScale="92500" lnSpcReduction="10000"/>
           </a:bodyPr>
           <a:lstStyle/>
           <a:p>
@@ -8763,7 +8940,7 @@
               <a:rPr lang="en-US" sz="1900" noProof="0" dirty="0">
                 <a:sym typeface="Wingdings" panose="05000000000000000000" pitchFamily="2" charset="2"/>
               </a:rPr>
-              <a:t>Large threat to the external validity, because sample is not really representative</a:t>
+              <a:t>Large threat to the external validity, because sample is not representative</a:t>
             </a:r>
           </a:p>
           <a:p>
@@ -8805,16 +8982,44 @@
           </a:p>
           <a:p>
             <a:r>
-              <a:rPr lang="en-US" sz="1900" noProof="0" dirty="0"/>
+              <a:rPr lang="en-US" sz="1900" noProof="0" dirty="0">
+                <a:solidFill>
+                  <a:srgbClr val="FF0000"/>
+                </a:solidFill>
+              </a:rPr>
               <a:t>And lower power </a:t>
             </a:r>
             <a:r>
               <a:rPr lang="en-US" sz="1900" noProof="0" dirty="0">
+                <a:solidFill>
+                  <a:srgbClr val="FF0000"/>
+                </a:solidFill>
                 <a:sym typeface="Wingdings" panose="05000000000000000000" pitchFamily="2" charset="2"/>
               </a:rPr>
-              <a:t>if variation of the DV is lower in a convenience sample than in population</a:t>
-            </a:r>
-            <a:endParaRPr lang="en-US" sz="1900" noProof="0" dirty="0"/>
+              <a:t>if variance of the DV is lower in a convenience sample than in population</a:t>
+            </a:r>
+            <a:br>
+              <a:rPr lang="en-US" sz="1900" noProof="0" dirty="0">
+                <a:solidFill>
+                  <a:srgbClr val="FF0000"/>
+                </a:solidFill>
+                <a:sym typeface="Wingdings" panose="05000000000000000000" pitchFamily="2" charset="2"/>
+              </a:rPr>
+            </a:br>
+            <a:r>
+              <a:rPr lang="en-US" sz="1900" i="1" noProof="0" dirty="0">
+                <a:solidFill>
+                  <a:srgbClr val="FF0000"/>
+                </a:solidFill>
+                <a:sym typeface="Wingdings" panose="05000000000000000000" pitchFamily="2" charset="2"/>
+              </a:rPr>
+              <a:t>(note: could also be higher power)</a:t>
+            </a:r>
+            <a:endParaRPr lang="en-US" sz="1900" i="1" noProof="0" dirty="0">
+              <a:solidFill>
+                <a:srgbClr val="FF0000"/>
+              </a:solidFill>
+            </a:endParaRPr>
           </a:p>
         </p:txBody>
       </p:sp>
@@ -9104,8 +9309,23 @@
           <a:p>
             <a:pPr lvl="0"/>
             <a:r>
-              <a:rPr lang="en-US" sz="1900" noProof="0" dirty="0"/>
-              <a:t>There is confounding if participants differ </a:t>
+              <a:rPr lang="en-US" sz="1900" i="1" dirty="0">
+                <a:solidFill>
+                  <a:srgbClr val="FF0000"/>
+                </a:solidFill>
+              </a:rPr>
+              <a:t>A confounder influences both the dependent variable and independent variable, causing a spurious association between them</a:t>
+            </a:r>
+          </a:p>
+          <a:p>
+            <a:pPr lvl="0"/>
+            <a:endParaRPr lang="en-US" sz="1900" dirty="0"/>
+          </a:p>
+          <a:p>
+            <a:pPr lvl="0"/>
+            <a:r>
+              <a:rPr lang="en-US" sz="1900" dirty="0"/>
+              <a:t>Confounding can occur if participants differ </a:t>
             </a:r>
             <a:r>
               <a:rPr lang="en-US" sz="1900" i="1" noProof="0" dirty="0"/>
@@ -9124,7 +9344,7 @@
             <a:pPr lvl="0"/>
             <a:r>
               <a:rPr lang="en-US" sz="1900" noProof="0" dirty="0"/>
-              <a:t>For example, IQ is a confounding variable if we conduct an experiment to study whether a new teaching method improves students’ performance</a:t>
+              <a:t>For example, if we conduct an experiment to study whether a new teaching method improves students’ performance, but the randomly assigned groups differ substantially in IQ, then IQ could be a confounding variable</a:t>
             </a:r>
           </a:p>
           <a:p>
@@ -9135,12 +9355,31 @@
             <a:pPr lvl="0"/>
             <a:r>
               <a:rPr lang="en-US" sz="1900" noProof="0" dirty="0"/>
-              <a:t>Confounding can be caused by bad luck if random assignment was used</a:t>
-            </a:r>
-          </a:p>
-          <a:p>
-            <a:pPr lvl="0"/>
-            <a:endParaRPr lang="en-US" sz="1900" noProof="0" dirty="0"/>
+              <a:t>Confounding can occur by random chance even if random assignment was used</a:t>
+            </a:r>
+          </a:p>
+          <a:p>
+            <a:pPr lvl="1"/>
+            <a:r>
+              <a:rPr lang="en-US" sz="1500" noProof="0" dirty="0"/>
+              <a:t>But if you used random assignment, and measured the confounder </a:t>
+            </a:r>
+            <a:r>
+              <a:rPr lang="en-US" sz="1500" b="1" i="1" noProof="0" dirty="0"/>
+              <a:t>before applying the manipulation</a:t>
+            </a:r>
+            <a:r>
+              <a:rPr lang="en-US" sz="1500" noProof="0" dirty="0"/>
+              <a:t>,</a:t>
+            </a:r>
+            <a:r>
+              <a:rPr lang="en-US" sz="1500" b="1" i="1" noProof="0" dirty="0"/>
+              <a:t> </a:t>
+            </a:r>
+            <a:r>
+              <a:rPr lang="en-US" sz="1500" noProof="0" dirty="0"/>
+              <a:t>then you can be sure that the confounder is not caused by the manipulation and it’s fine to control for it</a:t>
+            </a:r>
           </a:p>
           <a:p>
             <a:r>
